--- a/images/pres/plaid-refactored2.pptx
+++ b/images/pres/plaid-refactored2.pptx
@@ -287,7 +287,7 @@
           <a:lstStyle/>
           <a:p>
             <a:fld id="{3C9F40CB-BCE1-B748-B128-44E96DDA71E1}" type="datetimeFigureOut">
-              <a:t>02.12.15</a:t>
+              <a:t>07.12.15</a:t>
             </a:fld>
             <a:endParaRPr lang="en-US"/>
           </a:p>
@@ -455,7 +455,7 @@
           <a:lstStyle/>
           <a:p>
             <a:fld id="{3C9F40CB-BCE1-B748-B128-44E96DDA71E1}" type="datetimeFigureOut">
-              <a:t>02.12.15</a:t>
+              <a:t>07.12.15</a:t>
             </a:fld>
             <a:endParaRPr lang="en-US"/>
           </a:p>
@@ -633,7 +633,7 @@
           <a:lstStyle/>
           <a:p>
             <a:fld id="{3C9F40CB-BCE1-B748-B128-44E96DDA71E1}" type="datetimeFigureOut">
-              <a:t>02.12.15</a:t>
+              <a:t>07.12.15</a:t>
             </a:fld>
             <a:endParaRPr lang="en-US"/>
           </a:p>
@@ -801,7 +801,7 @@
           <a:lstStyle/>
           <a:p>
             <a:fld id="{3C9F40CB-BCE1-B748-B128-44E96DDA71E1}" type="datetimeFigureOut">
-              <a:t>02.12.15</a:t>
+              <a:t>07.12.15</a:t>
             </a:fld>
             <a:endParaRPr lang="en-US"/>
           </a:p>
@@ -1045,7 +1045,7 @@
           <a:lstStyle/>
           <a:p>
             <a:fld id="{3C9F40CB-BCE1-B748-B128-44E96DDA71E1}" type="datetimeFigureOut">
-              <a:t>02.12.15</a:t>
+              <a:t>07.12.15</a:t>
             </a:fld>
             <a:endParaRPr lang="en-US"/>
           </a:p>
@@ -1331,7 +1331,7 @@
           <a:lstStyle/>
           <a:p>
             <a:fld id="{3C9F40CB-BCE1-B748-B128-44E96DDA71E1}" type="datetimeFigureOut">
-              <a:t>02.12.15</a:t>
+              <a:t>07.12.15</a:t>
             </a:fld>
             <a:endParaRPr lang="en-US"/>
           </a:p>
@@ -1756,7 +1756,7 @@
           <a:lstStyle/>
           <a:p>
             <a:fld id="{3C9F40CB-BCE1-B748-B128-44E96DDA71E1}" type="datetimeFigureOut">
-              <a:t>02.12.15</a:t>
+              <a:t>07.12.15</a:t>
             </a:fld>
             <a:endParaRPr lang="en-US"/>
           </a:p>
@@ -1872,7 +1872,7 @@
           <a:lstStyle/>
           <a:p>
             <a:fld id="{3C9F40CB-BCE1-B748-B128-44E96DDA71E1}" type="datetimeFigureOut">
-              <a:t>02.12.15</a:t>
+              <a:t>07.12.15</a:t>
             </a:fld>
             <a:endParaRPr lang="en-US"/>
           </a:p>
@@ -1965,7 +1965,7 @@
           <a:lstStyle/>
           <a:p>
             <a:fld id="{3C9F40CB-BCE1-B748-B128-44E96DDA71E1}" type="datetimeFigureOut">
-              <a:t>02.12.15</a:t>
+              <a:t>07.12.15</a:t>
             </a:fld>
             <a:endParaRPr lang="en-US"/>
           </a:p>
@@ -2240,7 +2240,7 @@
           <a:lstStyle/>
           <a:p>
             <a:fld id="{3C9F40CB-BCE1-B748-B128-44E96DDA71E1}" type="datetimeFigureOut">
-              <a:t>02.12.15</a:t>
+              <a:t>07.12.15</a:t>
             </a:fld>
             <a:endParaRPr lang="en-US"/>
           </a:p>
@@ -2491,7 +2491,7 @@
           <a:lstStyle/>
           <a:p>
             <a:fld id="{3C9F40CB-BCE1-B748-B128-44E96DDA71E1}" type="datetimeFigureOut">
-              <a:t>02.12.15</a:t>
+              <a:t>07.12.15</a:t>
             </a:fld>
             <a:endParaRPr lang="en-US"/>
           </a:p>
@@ -2702,7 +2702,7 @@
           </a:lstStyle>
           <a:p>
             <a:fld id="{3C9F40CB-BCE1-B748-B128-44E96DDA71E1}" type="datetimeFigureOut">
-              <a:t>02.12.15</a:t>
+              <a:t>07.12.15</a:t>
             </a:fld>
             <a:endParaRPr lang="en-US"/>
           </a:p>
@@ -3369,11 +3369,7 @@
           <a:p>
             <a:r>
               <a:rPr lang="en-US" sz="1200"/>
-              <a:t>I</a:t>
-            </a:r>
-            <a:r>
-              <a:rPr lang="en-US" sz="1200"/>
-              <a:t>nvokes method</a:t>
+              <a:t>Invokes method</a:t>
             </a:r>
           </a:p>
         </p:txBody>
@@ -3550,13 +3546,8 @@
             <a:p>
               <a:r>
                 <a:rPr lang="en-US" sz="1400" b="1"/>
-                <a:t>DribbbleService </a:t>
+                <a:t>DribbbleService (Retrofit)</a:t>
               </a:r>
-              <a:r>
-                <a:rPr lang="en-US" sz="1400" b="1"/>
-                <a:t>(Retrofit)</a:t>
-              </a:r>
-              <a:endParaRPr lang="en-US" sz="1400" b="1"/>
             </a:p>
             <a:p>
               <a:r>
@@ -3678,11 +3669,7 @@
           <a:p>
             <a:r>
               <a:rPr lang="en-US" sz="1200"/>
-              <a:t>I</a:t>
-            </a:r>
-            <a:r>
-              <a:rPr lang="en-US" sz="1200"/>
-              <a:t>nvokes method</a:t>
+              <a:t>Invokes method</a:t>
             </a:r>
           </a:p>
         </p:txBody>
@@ -4158,11 +4145,7 @@
             <a:pPr algn="ctr"/>
             <a:r>
               <a:rPr lang="en-US" sz="1200"/>
-              <a:t>C</a:t>
-            </a:r>
-            <a:r>
-              <a:rPr lang="en-US" sz="1200"/>
-              <a:t>ollects all RouteCallers returned from Factories</a:t>
+              <a:t>Collects all RouteCallers returned from Factories</a:t>
             </a:r>
           </a:p>
         </p:txBody>
@@ -4369,7 +4352,6 @@
                 <a:rPr lang="en-US" sz="1400"/>
                 <a:t>olderPage()</a:t>
               </a:r>
-              <a:endParaRPr lang="en-US" sz="1400"/>
             </a:p>
           </p:txBody>
         </p:sp>
@@ -4771,8 +4753,8 @@
         </p:nvSpPr>
         <p:spPr>
           <a:xfrm rot="16200000">
-            <a:off x="5430201" y="7604287"/>
-            <a:ext cx="2203147" cy="461665"/>
+            <a:off x="5397014" y="7604287"/>
+            <a:ext cx="2269522" cy="461665"/>
           </a:xfrm>
           <a:prstGeom prst="rect">
             <a:avLst/>
@@ -4791,7 +4773,15 @@
                   <a:schemeClr val="bg1"/>
                 </a:solidFill>
               </a:rPr>
-              <a:t>D a t a f l o w</a:t>
+              <a:t>d</a:t>
+            </a:r>
+            <a:r>
+              <a:rPr lang="en-US" sz="2400" b="1" spc="200">
+                <a:solidFill>
+                  <a:schemeClr val="bg1"/>
+                </a:solidFill>
+              </a:rPr>
+              <a:t> a t a  f l o w</a:t>
             </a:r>
           </a:p>
         </p:txBody>
